--- a/02.모바일웹&앱프로젝트/04.가이드문서/프라이탁 가이드문서.pptx
+++ b/02.모바일웹&앱프로젝트/04.가이드문서/프라이탁 가이드문서.pptx
@@ -109,6 +109,11 @@
       </a:defRPr>
     </a:lvl9pPr>
   </p:defaultTextStyle>
+  <p:extLst>
+    <p:ext uri="{EFAFB233-063F-42B5-8137-9DF3F51BA10A}">
+      <p15:sldGuideLst xmlns:p15="http://schemas.microsoft.com/office/powerpoint/2012/main"/>
+    </p:ext>
+  </p:extLst>
 </p:presentation>
 </file>
 
@@ -243,7 +248,7 @@
           <a:p>
             <a:fld id="{8AA93D84-EA53-4D0A-826F-BA91DCFA8FEC}" type="datetimeFigureOut">
               <a:rPr lang="ko-KR" altLang="en-US" smtClean="0"/>
-              <a:t>2023-05-18</a:t>
+              <a:t>2023-05-19</a:t>
             </a:fld>
             <a:endParaRPr lang="ko-KR" altLang="en-US"/>
           </a:p>
@@ -413,7 +418,7 @@
           <a:p>
             <a:fld id="{8AA93D84-EA53-4D0A-826F-BA91DCFA8FEC}" type="datetimeFigureOut">
               <a:rPr lang="ko-KR" altLang="en-US" smtClean="0"/>
-              <a:t>2023-05-18</a:t>
+              <a:t>2023-05-19</a:t>
             </a:fld>
             <a:endParaRPr lang="ko-KR" altLang="en-US"/>
           </a:p>
@@ -593,7 +598,7 @@
           <a:p>
             <a:fld id="{8AA93D84-EA53-4D0A-826F-BA91DCFA8FEC}" type="datetimeFigureOut">
               <a:rPr lang="ko-KR" altLang="en-US" smtClean="0"/>
-              <a:t>2023-05-18</a:t>
+              <a:t>2023-05-19</a:t>
             </a:fld>
             <a:endParaRPr lang="ko-KR" altLang="en-US"/>
           </a:p>
@@ -763,7 +768,7 @@
           <a:p>
             <a:fld id="{8AA93D84-EA53-4D0A-826F-BA91DCFA8FEC}" type="datetimeFigureOut">
               <a:rPr lang="ko-KR" altLang="en-US" smtClean="0"/>
-              <a:t>2023-05-18</a:t>
+              <a:t>2023-05-19</a:t>
             </a:fld>
             <a:endParaRPr lang="ko-KR" altLang="en-US"/>
           </a:p>
@@ -1009,7 +1014,7 @@
           <a:p>
             <a:fld id="{8AA93D84-EA53-4D0A-826F-BA91DCFA8FEC}" type="datetimeFigureOut">
               <a:rPr lang="ko-KR" altLang="en-US" smtClean="0"/>
-              <a:t>2023-05-18</a:t>
+              <a:t>2023-05-19</a:t>
             </a:fld>
             <a:endParaRPr lang="ko-KR" altLang="en-US"/>
           </a:p>
@@ -1241,7 +1246,7 @@
           <a:p>
             <a:fld id="{8AA93D84-EA53-4D0A-826F-BA91DCFA8FEC}" type="datetimeFigureOut">
               <a:rPr lang="ko-KR" altLang="en-US" smtClean="0"/>
-              <a:t>2023-05-18</a:t>
+              <a:t>2023-05-19</a:t>
             </a:fld>
             <a:endParaRPr lang="ko-KR" altLang="en-US"/>
           </a:p>
@@ -1608,7 +1613,7 @@
           <a:p>
             <a:fld id="{8AA93D84-EA53-4D0A-826F-BA91DCFA8FEC}" type="datetimeFigureOut">
               <a:rPr lang="ko-KR" altLang="en-US" smtClean="0"/>
-              <a:t>2023-05-18</a:t>
+              <a:t>2023-05-19</a:t>
             </a:fld>
             <a:endParaRPr lang="ko-KR" altLang="en-US"/>
           </a:p>
@@ -1726,7 +1731,7 @@
           <a:p>
             <a:fld id="{8AA93D84-EA53-4D0A-826F-BA91DCFA8FEC}" type="datetimeFigureOut">
               <a:rPr lang="ko-KR" altLang="en-US" smtClean="0"/>
-              <a:t>2023-05-18</a:t>
+              <a:t>2023-05-19</a:t>
             </a:fld>
             <a:endParaRPr lang="ko-KR" altLang="en-US"/>
           </a:p>
@@ -1821,7 +1826,7 @@
           <a:p>
             <a:fld id="{8AA93D84-EA53-4D0A-826F-BA91DCFA8FEC}" type="datetimeFigureOut">
               <a:rPr lang="ko-KR" altLang="en-US" smtClean="0"/>
-              <a:t>2023-05-18</a:t>
+              <a:t>2023-05-19</a:t>
             </a:fld>
             <a:endParaRPr lang="ko-KR" altLang="en-US"/>
           </a:p>
@@ -2098,7 +2103,7 @@
           <a:p>
             <a:fld id="{8AA93D84-EA53-4D0A-826F-BA91DCFA8FEC}" type="datetimeFigureOut">
               <a:rPr lang="ko-KR" altLang="en-US" smtClean="0"/>
-              <a:t>2023-05-18</a:t>
+              <a:t>2023-05-19</a:t>
             </a:fld>
             <a:endParaRPr lang="ko-KR" altLang="en-US"/>
           </a:p>
@@ -2351,7 +2356,7 @@
           <a:p>
             <a:fld id="{8AA93D84-EA53-4D0A-826F-BA91DCFA8FEC}" type="datetimeFigureOut">
               <a:rPr lang="ko-KR" altLang="en-US" smtClean="0"/>
-              <a:t>2023-05-18</a:t>
+              <a:t>2023-05-19</a:t>
             </a:fld>
             <a:endParaRPr lang="ko-KR" altLang="en-US"/>
           </a:p>
@@ -2564,7 +2569,7 @@
           <a:p>
             <a:fld id="{8AA93D84-EA53-4D0A-826F-BA91DCFA8FEC}" type="datetimeFigureOut">
               <a:rPr lang="ko-KR" altLang="en-US" smtClean="0"/>
-              <a:t>2023-05-18</a:t>
+              <a:t>2023-05-19</a:t>
             </a:fld>
             <a:endParaRPr lang="ko-KR" altLang="en-US"/>
           </a:p>
@@ -3142,14 +3147,7 @@
                 <a:latin typeface="나눔고딕" panose="020D0604000000000000" pitchFamily="50" charset="-127"/>
                 <a:ea typeface="나눔고딕" panose="020D0604000000000000" pitchFamily="50" charset="-127"/>
               </a:rPr>
-              <a:t>                                      </a:t>
-            </a:r>
-            <a:r>
-              <a:rPr lang="en-US" altLang="ko-KR" sz="1200" dirty="0" smtClean="0">
-                <a:latin typeface="나눔고딕" panose="020D0604000000000000" pitchFamily="50" charset="-127"/>
-                <a:ea typeface="나눔고딕" panose="020D0604000000000000" pitchFamily="50" charset="-127"/>
-              </a:rPr>
-              <a:t>2023.05.19</a:t>
+              <a:t>                                      2023.05.19</a:t>
             </a:r>
             <a:endParaRPr lang="ko-KR" altLang="en-US" sz="1200" dirty="0">
               <a:latin typeface="나눔고딕" panose="020D0604000000000000" pitchFamily="50" charset="-127"/>
@@ -3222,14 +3220,7 @@
                 <a:latin typeface="나눔고딕" panose="020D0604000000000000" pitchFamily="50" charset="-127"/>
                 <a:ea typeface="나눔고딕" panose="020D0604000000000000" pitchFamily="50" charset="-127"/>
               </a:rPr>
-              <a:t> </a:t>
-            </a:r>
-            <a:r>
-              <a:rPr lang="ko-KR" altLang="en-US" sz="2000" dirty="0" smtClean="0">
-                <a:latin typeface="나눔고딕" panose="020D0604000000000000" pitchFamily="50" charset="-127"/>
-                <a:ea typeface="나눔고딕" panose="020D0604000000000000" pitchFamily="50" charset="-127"/>
-              </a:rPr>
-              <a:t>사이트</a:t>
+              <a:t> 사이트</a:t>
             </a:r>
             <a:endParaRPr lang="ko-KR" altLang="en-US" sz="2000" dirty="0">
               <a:latin typeface="나눔고딕" panose="020D0604000000000000" pitchFamily="50" charset="-127"/>
@@ -3373,7 +3364,14 @@
                 <a:latin typeface="나눔고딕" panose="020D0604000000000000" pitchFamily="50" charset="-127"/>
                 <a:ea typeface="나눔고딕" panose="020D0604000000000000" pitchFamily="50" charset="-127"/>
               </a:rPr>
-              <a:t>가 단조롭다</a:t>
+              <a:t>가 </a:t>
+            </a:r>
+            <a:r>
+              <a:rPr lang="ko-KR" altLang="en-US" sz="1400" dirty="0" smtClean="0">
+                <a:latin typeface="나눔고딕" panose="020D0604000000000000" pitchFamily="50" charset="-127"/>
+                <a:ea typeface="나눔고딕" panose="020D0604000000000000" pitchFamily="50" charset="-127"/>
+              </a:rPr>
+              <a:t>단순하다</a:t>
             </a:r>
             <a:r>
               <a:rPr lang="en-US" altLang="ko-KR" sz="1400" dirty="0" smtClean="0">
@@ -3555,11 +3553,7 @@
             </a:r>
             <a:r>
               <a:rPr lang="ko-KR" altLang="en-US" dirty="0" smtClean="0"/>
-              <a:t> </a:t>
-            </a:r>
-            <a:r>
-              <a:rPr lang="ko-KR" altLang="en-US" dirty="0" smtClean="0"/>
-              <a:t>사이트 분석 설계 </a:t>
+              <a:t> 사이트 분석 설계 </a:t>
             </a:r>
             <a:r>
               <a:rPr lang="en-US" altLang="ko-KR" dirty="0" smtClean="0"/>
@@ -3699,11 +3693,7 @@
             </a:r>
             <a:r>
               <a:rPr lang="en-US" altLang="ko-KR" sz="1200" dirty="0" smtClean="0"/>
-              <a:t>2) GNB </a:t>
-            </a:r>
-            <a:r>
-              <a:rPr lang="en-US" altLang="ko-KR" sz="1200" dirty="0" smtClean="0"/>
-              <a:t>– </a:t>
+              <a:t>2) GNB – </a:t>
             </a:r>
             <a:r>
               <a:rPr lang="ko-KR" altLang="en-US" sz="1200" dirty="0" smtClean="0"/>
@@ -3715,27 +3705,7 @@
             </a:r>
             <a:r>
               <a:rPr lang="ko-KR" altLang="en-US" sz="1200" dirty="0" smtClean="0"/>
-              <a:t>로 </a:t>
-            </a:r>
-            <a:r>
-              <a:rPr lang="ko-KR" altLang="en-US" sz="1200" dirty="0" smtClean="0"/>
-              <a:t>고정</a:t>
-            </a:r>
-            <a:r>
-              <a:rPr lang="ko-KR" altLang="en-US" sz="1200" dirty="0" smtClean="0"/>
-              <a:t> </a:t>
-            </a:r>
-            <a:r>
-              <a:rPr lang="ko-KR" altLang="en-US" sz="1200" dirty="0" smtClean="0"/>
-              <a:t>후 </a:t>
-            </a:r>
-            <a:r>
-              <a:rPr lang="ko-KR" altLang="en-US" sz="1200" dirty="0" smtClean="0"/>
-              <a:t>화면왼쪽에</a:t>
-            </a:r>
-            <a:r>
-              <a:rPr lang="ko-KR" altLang="en-US" sz="1200" dirty="0" smtClean="0"/>
-              <a:t>서 </a:t>
+              <a:t>로 고정 후 화면왼쪽에서 </a:t>
             </a:r>
             <a:endParaRPr lang="en-US" altLang="ko-KR" sz="1200" dirty="0" smtClean="0"/>
           </a:p>
@@ -3797,7 +3767,6 @@
               <a:rPr lang="en-US" altLang="ko-KR" sz="1400" dirty="0" smtClean="0"/>
               <a:t> </a:t>
             </a:r>
-            <a:endParaRPr lang="en-US" altLang="ko-KR" sz="1400" dirty="0" smtClean="0"/>
           </a:p>
           <a:p>
             <a:r>
@@ -4693,11 +4662,7 @@
           <a:p>
             <a:r>
               <a:rPr lang="en-US" altLang="ko-KR" smtClean="0"/>
-              <a:t>Vue</a:t>
-            </a:r>
-            <a:r>
-              <a:rPr lang="en-US" altLang="ko-KR" smtClean="0"/>
-              <a:t>.js</a:t>
+              <a:t>Vue.js</a:t>
             </a:r>
             <a:r>
               <a:rPr lang="ko-KR" altLang="en-US" dirty="0" smtClean="0"/>
@@ -4724,7 +4689,7 @@
         <p:spPr>
           <a:xfrm>
             <a:off x="476942" y="3074262"/>
-            <a:ext cx="5292092" cy="369332"/>
+            <a:ext cx="5292092" cy="646331"/>
           </a:xfrm>
           <a:prstGeom prst="rect">
             <a:avLst/>
@@ -4739,11 +4704,30 @@
           <a:p>
             <a:r>
               <a:rPr lang="ko-KR" altLang="en-US" dirty="0" smtClean="0"/>
-              <a:t>객체로 데이터 </a:t>
+              <a:t>객체 </a:t>
+            </a:r>
+            <a:r>
+              <a:rPr lang="ko-KR" altLang="en-US" dirty="0" smtClean="0"/>
+              <a:t>데이터를 </a:t>
             </a:r>
             <a:r>
               <a:rPr lang="ko-KR" altLang="en-US" dirty="0" err="1" smtClean="0"/>
-              <a:t>전달값으로</a:t>
+              <a:t>반응형으로</a:t>
+            </a:r>
+            <a:r>
+              <a:rPr lang="ko-KR" altLang="en-US" dirty="0" smtClean="0"/>
+              <a:t> 만들어 각 페이지에 </a:t>
+            </a:r>
+            <a:endParaRPr lang="en-US" altLang="ko-KR" dirty="0" smtClean="0"/>
+          </a:p>
+          <a:p>
+            <a:r>
+              <a:rPr lang="ko-KR" altLang="en-US" dirty="0" smtClean="0"/>
+              <a:t>바인딩하기</a:t>
+            </a:r>
+            <a:r>
+              <a:rPr lang="en-US" altLang="ko-KR" dirty="0" smtClean="0"/>
+              <a:t>.</a:t>
             </a:r>
             <a:r>
               <a:rPr lang="ko-KR" altLang="en-US" dirty="0" smtClean="0"/>
@@ -4761,7 +4745,7 @@
         </p:nvSpPr>
         <p:spPr>
           <a:xfrm>
-            <a:off x="5542166" y="2169881"/>
+            <a:off x="5608670" y="2169881"/>
             <a:ext cx="6050574" cy="923330"/>
           </a:xfrm>
           <a:prstGeom prst="rect">
@@ -4809,7 +4793,7 @@
         </p:nvSpPr>
         <p:spPr>
           <a:xfrm>
-            <a:off x="5542165" y="3535928"/>
+            <a:off x="5608669" y="3535928"/>
             <a:ext cx="5690089" cy="369332"/>
           </a:xfrm>
           <a:prstGeom prst="rect">
@@ -4902,7 +4886,7 @@
         </p:nvSpPr>
         <p:spPr>
           <a:xfrm>
-            <a:off x="5780291" y="5038345"/>
+            <a:off x="5846795" y="5038345"/>
             <a:ext cx="4678856" cy="307777"/>
           </a:xfrm>
           <a:prstGeom prst="rect">
@@ -4936,7 +4920,7 @@
         </p:nvSpPr>
         <p:spPr>
           <a:xfrm>
-            <a:off x="5780291" y="5599811"/>
+            <a:off x="5846795" y="5599811"/>
             <a:ext cx="3964482" cy="307777"/>
           </a:xfrm>
           <a:prstGeom prst="rect">
@@ -4970,7 +4954,7 @@
         </p:nvSpPr>
         <p:spPr>
           <a:xfrm>
-            <a:off x="5542166" y="4347977"/>
+            <a:off x="5608670" y="4347977"/>
             <a:ext cx="6250480" cy="369332"/>
           </a:xfrm>
           <a:prstGeom prst="rect">
